--- a/redhat/ManageIQ Bot.pptx
+++ b/redhat/ManageIQ Bot.pptx
@@ -5399,7 +5399,12 @@
             <p:ph type="subTitle" idx="1"/>
           </p:nvPr>
         </p:nvSpPr>
-        <p:spPr/>
+        <p:spPr>
+          <a:xfrm>
+            <a:off x="609600" y="3899938"/>
+            <a:ext cx="1837038" cy="573208"/>
+          </a:xfrm>
+        </p:spPr>
         <p:txBody>
           <a:bodyPr rtlCol="0"/>
           <a:lstStyle/>
@@ -5487,6 +5492,223 @@
           </a:prstGeom>
         </p:spPr>
       </p:pic>
+      <p:sp>
+        <p:nvSpPr>
+          <p:cNvPr id="6" name="Podnadpis 2">
+            <a:extLst>
+              <a:ext uri="{FF2B5EF4-FFF2-40B4-BE49-F238E27FC236}">
+                <a16:creationId xmlns:a16="http://schemas.microsoft.com/office/drawing/2014/main" id="{CAF04B90-FDC0-459F-93AB-3EF8AB2855BE}"/>
+              </a:ext>
+            </a:extLst>
+          </p:cNvPr>
+          <p:cNvSpPr txBox="1">
+            <a:spLocks/>
+          </p:cNvSpPr>
+          <p:nvPr/>
+        </p:nvSpPr>
+        <p:spPr>
+          <a:xfrm>
+            <a:off x="-86896" y="6571396"/>
+            <a:ext cx="1837038" cy="573208"/>
+          </a:xfrm>
+          <a:prstGeom prst="rect">
+            <a:avLst/>
+          </a:prstGeom>
+        </p:spPr>
+        <p:txBody>
+          <a:bodyPr vert="horz" rtlCol="0">
+            <a:normAutofit/>
+          </a:bodyPr>
+          <a:lstStyle>
+            <a:lvl1pPr marL="64008" indent="0" algn="l" rtl="0" eaLnBrk="1" latinLnBrk="0" hangingPunct="1">
+              <a:spcBef>
+                <a:spcPts val="300"/>
+              </a:spcBef>
+              <a:buClr>
+                <a:schemeClr val="accent3">
+                  <a:lumMod val="75000"/>
+                </a:schemeClr>
+              </a:buClr>
+              <a:buFont typeface="Georgia"/>
+              <a:buNone/>
+              <a:defRPr kumimoji="0" sz="2400" kern="1200">
+                <a:solidFill>
+                  <a:schemeClr val="tx2"/>
+                </a:solidFill>
+                <a:latin typeface="+mn-lt"/>
+                <a:ea typeface="+mn-ea"/>
+                <a:cs typeface="+mn-cs"/>
+              </a:defRPr>
+            </a:lvl1pPr>
+            <a:lvl2pPr marL="457200" indent="0" algn="ctr" rtl="0" eaLnBrk="1" latinLnBrk="0" hangingPunct="1">
+              <a:spcBef>
+                <a:spcPts val="300"/>
+              </a:spcBef>
+              <a:buClr>
+                <a:schemeClr val="accent2">
+                  <a:lumMod val="75000"/>
+                </a:schemeClr>
+              </a:buClr>
+              <a:buFont typeface="Georgia"/>
+              <a:buNone/>
+              <a:defRPr kumimoji="0" sz="2600" kern="1200">
+                <a:solidFill>
+                  <a:schemeClr val="tx2"/>
+                </a:solidFill>
+                <a:latin typeface="+mn-lt"/>
+                <a:ea typeface="+mn-ea"/>
+                <a:cs typeface="+mn-cs"/>
+              </a:defRPr>
+            </a:lvl2pPr>
+            <a:lvl3pPr marL="914400" indent="0" algn="ctr" rtl="0" eaLnBrk="1" latinLnBrk="0" hangingPunct="1">
+              <a:spcBef>
+                <a:spcPts val="300"/>
+              </a:spcBef>
+              <a:buClr>
+                <a:schemeClr val="accent1">
+                  <a:lumMod val="50000"/>
+                </a:schemeClr>
+              </a:buClr>
+              <a:buFont typeface="Wingdings 2" panose="05020102010507070707" pitchFamily="18" charset="2"/>
+              <a:buNone/>
+              <a:defRPr kumimoji="0" sz="2400" kern="1200">
+                <a:solidFill>
+                  <a:schemeClr val="tx2"/>
+                </a:solidFill>
+                <a:latin typeface="+mn-lt"/>
+                <a:ea typeface="+mn-ea"/>
+                <a:cs typeface="+mn-cs"/>
+              </a:defRPr>
+            </a:lvl3pPr>
+            <a:lvl4pPr marL="1371600" indent="0" algn="ctr" rtl="0" eaLnBrk="1" latinLnBrk="0" hangingPunct="1">
+              <a:spcBef>
+                <a:spcPts val="300"/>
+              </a:spcBef>
+              <a:buClr>
+                <a:schemeClr val="accent1">
+                  <a:lumMod val="50000"/>
+                </a:schemeClr>
+              </a:buClr>
+              <a:buFont typeface="Wingdings 2" panose="05020102010507070707" pitchFamily="18" charset="2"/>
+              <a:buNone/>
+              <a:defRPr kumimoji="0" sz="2200" kern="1200">
+                <a:solidFill>
+                  <a:schemeClr val="tx2"/>
+                </a:solidFill>
+                <a:latin typeface="+mn-lt"/>
+                <a:ea typeface="+mn-ea"/>
+                <a:cs typeface="+mn-cs"/>
+              </a:defRPr>
+            </a:lvl4pPr>
+            <a:lvl5pPr marL="1828800" indent="0" algn="ctr" rtl="0" eaLnBrk="1" latinLnBrk="0" hangingPunct="1">
+              <a:spcBef>
+                <a:spcPts val="300"/>
+              </a:spcBef>
+              <a:buClr>
+                <a:schemeClr val="accent1">
+                  <a:lumMod val="50000"/>
+                </a:schemeClr>
+              </a:buClr>
+              <a:buFont typeface="Wingdings 2" panose="05020102010507070707" pitchFamily="18" charset="2"/>
+              <a:buNone/>
+              <a:defRPr kumimoji="0" sz="2000" kern="1200">
+                <a:solidFill>
+                  <a:schemeClr val="tx2"/>
+                </a:solidFill>
+                <a:latin typeface="+mn-lt"/>
+                <a:ea typeface="+mn-ea"/>
+                <a:cs typeface="+mn-cs"/>
+              </a:defRPr>
+            </a:lvl5pPr>
+            <a:lvl6pPr marL="2286000" indent="0" algn="ctr" rtl="0" eaLnBrk="1" latinLnBrk="0" hangingPunct="1">
+              <a:spcBef>
+                <a:spcPts val="300"/>
+              </a:spcBef>
+              <a:buClr>
+                <a:schemeClr val="accent1">
+                  <a:lumMod val="50000"/>
+                </a:schemeClr>
+              </a:buClr>
+              <a:buFont typeface="Wingdings 2" panose="05020102010507070707" pitchFamily="18" charset="2"/>
+              <a:buNone/>
+              <a:defRPr kumimoji="0" sz="1800" kern="1200">
+                <a:solidFill>
+                  <a:schemeClr val="tx2"/>
+                </a:solidFill>
+                <a:latin typeface="+mn-lt"/>
+                <a:ea typeface="+mn-ea"/>
+                <a:cs typeface="+mn-cs"/>
+              </a:defRPr>
+            </a:lvl6pPr>
+            <a:lvl7pPr marL="2743200" indent="0" algn="ctr" rtl="0" eaLnBrk="1" latinLnBrk="0" hangingPunct="1">
+              <a:spcBef>
+                <a:spcPts val="300"/>
+              </a:spcBef>
+              <a:buClr>
+                <a:schemeClr val="accent1">
+                  <a:lumMod val="50000"/>
+                </a:schemeClr>
+              </a:buClr>
+              <a:buFont typeface="Wingdings 2" panose="05020102010507070707" pitchFamily="18" charset="2"/>
+              <a:buNone/>
+              <a:defRPr kumimoji="0" sz="1600" kern="1200">
+                <a:solidFill>
+                  <a:schemeClr val="tx2"/>
+                </a:solidFill>
+                <a:latin typeface="+mn-lt"/>
+                <a:ea typeface="+mn-ea"/>
+                <a:cs typeface="+mn-cs"/>
+              </a:defRPr>
+            </a:lvl7pPr>
+            <a:lvl8pPr marL="3200400" indent="0" algn="ctr" rtl="0" eaLnBrk="1" latinLnBrk="0" hangingPunct="1">
+              <a:spcBef>
+                <a:spcPts val="300"/>
+              </a:spcBef>
+              <a:buClr>
+                <a:schemeClr val="accent1">
+                  <a:lumMod val="50000"/>
+                </a:schemeClr>
+              </a:buClr>
+              <a:buFont typeface="Wingdings 2" panose="05020102010507070707" pitchFamily="18" charset="2"/>
+              <a:buNone/>
+              <a:defRPr kumimoji="0" sz="1500" kern="1200">
+                <a:solidFill>
+                  <a:schemeClr val="tx2"/>
+                </a:solidFill>
+                <a:latin typeface="+mn-lt"/>
+                <a:ea typeface="+mn-ea"/>
+                <a:cs typeface="+mn-cs"/>
+              </a:defRPr>
+            </a:lvl8pPr>
+            <a:lvl9pPr marL="3657600" indent="0" algn="ctr" rtl="0" eaLnBrk="1" latinLnBrk="0" hangingPunct="1">
+              <a:spcBef>
+                <a:spcPts val="300"/>
+              </a:spcBef>
+              <a:buClr>
+                <a:schemeClr val="accent1">
+                  <a:lumMod val="50000"/>
+                </a:schemeClr>
+              </a:buClr>
+              <a:buFont typeface="Wingdings 2" panose="05020102010507070707" pitchFamily="18" charset="2"/>
+              <a:buNone/>
+              <a:defRPr kumimoji="0" sz="1400" kern="1200" baseline="0">
+                <a:solidFill>
+                  <a:schemeClr val="tx2"/>
+                </a:solidFill>
+                <a:latin typeface="+mn-lt"/>
+                <a:ea typeface="+mn-ea"/>
+                <a:cs typeface="+mn-cs"/>
+              </a:defRPr>
+            </a:lvl9pPr>
+          </a:lstStyle>
+          <a:p>
+            <a:r>
+              <a:rPr lang="sk-SK" sz="1400" dirty="0"/>
+              <a:t>16.5.2018</a:t>
+            </a:r>
+          </a:p>
+        </p:txBody>
+      </p:sp>
     </p:spTree>
     <p:extLst>
       <p:ext uri="{BB962C8B-B14F-4D97-AF65-F5344CB8AC3E}">
@@ -5662,8 +5884,8 @@
         </p:blipFill>
         <p:spPr>
           <a:xfrm>
-            <a:off x="4007656" y="333772"/>
-            <a:ext cx="1390253" cy="1390253"/>
+            <a:off x="4239346" y="292511"/>
+            <a:ext cx="2276784" cy="2276784"/>
           </a:xfrm>
           <a:prstGeom prst="rect">
             <a:avLst/>
@@ -5837,8 +6059,8 @@
         </p:blipFill>
         <p:spPr>
           <a:xfrm>
-            <a:off x="8375198" y="675227"/>
-            <a:ext cx="2082677" cy="2002346"/>
+            <a:off x="7183395" y="666989"/>
+            <a:ext cx="2549551" cy="2451212"/>
           </a:xfrm>
           <a:prstGeom prst="rect">
             <a:avLst/>
@@ -5903,7 +6125,12 @@
             <p:ph type="title"/>
           </p:nvPr>
         </p:nvSpPr>
-        <p:spPr/>
+        <p:spPr>
+          <a:xfrm>
+            <a:off x="172994" y="319216"/>
+            <a:ext cx="10972800" cy="1066800"/>
+          </a:xfrm>
+        </p:spPr>
         <p:txBody>
           <a:bodyPr/>
           <a:lstStyle/>
@@ -5954,8 +6181,8 @@
         </p:blipFill>
         <p:spPr>
           <a:xfrm>
-            <a:off x="1800224" y="2135895"/>
-            <a:ext cx="8315325" cy="4595166"/>
+            <a:off x="1478948" y="1386016"/>
+            <a:ext cx="9079737" cy="5017591"/>
           </a:xfrm>
           <a:prstGeom prst="rect">
             <a:avLst/>
@@ -7685,7 +7912,7 @@
         </p:blipFill>
         <p:spPr>
           <a:xfrm>
-            <a:off x="3778046" y="1028952"/>
+            <a:off x="4041657" y="584108"/>
             <a:ext cx="2718619" cy="2718619"/>
           </a:xfrm>
           <a:prstGeom prst="rect">
